--- a/docs/assets/fractals/plants/bamboo.pptx
+++ b/docs/assets/fractals/plants/bamboo.pptx
@@ -104,6 +104,11 @@
       </a:defRPr>
     </a:lvl9pPr>
   </p:defaultTextStyle>
+  <p:extLst>
+    <p:ext uri="{EFAFB233-063F-42B5-8137-9DF3F51BA10A}">
+      <p15:sldGuideLst xmlns:p15="http://schemas.microsoft.com/office/powerpoint/2012/main"/>
+    </p:ext>
+  </p:extLst>
 </p:presentation>
 </file>
 
@@ -238,7 +243,7 @@
           <a:p>
             <a:fld id="{061BC4CD-4D70-DC42-B3C2-BA14ECF11555}" type="datetimeFigureOut">
               <a:rPr lang="en-GB" smtClean="0"/>
-              <a:t>11/07/2024</a:t>
+              <a:t>14/10/2024</a:t>
             </a:fld>
             <a:endParaRPr lang="en-GB"/>
           </a:p>
@@ -408,7 +413,7 @@
           <a:p>
             <a:fld id="{061BC4CD-4D70-DC42-B3C2-BA14ECF11555}" type="datetimeFigureOut">
               <a:rPr lang="en-GB" smtClean="0"/>
-              <a:t>11/07/2024</a:t>
+              <a:t>14/10/2024</a:t>
             </a:fld>
             <a:endParaRPr lang="en-GB"/>
           </a:p>
@@ -588,7 +593,7 @@
           <a:p>
             <a:fld id="{061BC4CD-4D70-DC42-B3C2-BA14ECF11555}" type="datetimeFigureOut">
               <a:rPr lang="en-GB" smtClean="0"/>
-              <a:t>11/07/2024</a:t>
+              <a:t>14/10/2024</a:t>
             </a:fld>
             <a:endParaRPr lang="en-GB"/>
           </a:p>
@@ -758,7 +763,7 @@
           <a:p>
             <a:fld id="{061BC4CD-4D70-DC42-B3C2-BA14ECF11555}" type="datetimeFigureOut">
               <a:rPr lang="en-GB" smtClean="0"/>
-              <a:t>11/07/2024</a:t>
+              <a:t>14/10/2024</a:t>
             </a:fld>
             <a:endParaRPr lang="en-GB"/>
           </a:p>
@@ -1002,7 +1007,7 @@
           <a:p>
             <a:fld id="{061BC4CD-4D70-DC42-B3C2-BA14ECF11555}" type="datetimeFigureOut">
               <a:rPr lang="en-GB" smtClean="0"/>
-              <a:t>11/07/2024</a:t>
+              <a:t>14/10/2024</a:t>
             </a:fld>
             <a:endParaRPr lang="en-GB"/>
           </a:p>
@@ -1234,7 +1239,7 @@
           <a:p>
             <a:fld id="{061BC4CD-4D70-DC42-B3C2-BA14ECF11555}" type="datetimeFigureOut">
               <a:rPr lang="en-GB" smtClean="0"/>
-              <a:t>11/07/2024</a:t>
+              <a:t>14/10/2024</a:t>
             </a:fld>
             <a:endParaRPr lang="en-GB"/>
           </a:p>
@@ -1601,7 +1606,7 @@
           <a:p>
             <a:fld id="{061BC4CD-4D70-DC42-B3C2-BA14ECF11555}" type="datetimeFigureOut">
               <a:rPr lang="en-GB" smtClean="0"/>
-              <a:t>11/07/2024</a:t>
+              <a:t>14/10/2024</a:t>
             </a:fld>
             <a:endParaRPr lang="en-GB"/>
           </a:p>
@@ -1719,7 +1724,7 @@
           <a:p>
             <a:fld id="{061BC4CD-4D70-DC42-B3C2-BA14ECF11555}" type="datetimeFigureOut">
               <a:rPr lang="en-GB" smtClean="0"/>
-              <a:t>11/07/2024</a:t>
+              <a:t>14/10/2024</a:t>
             </a:fld>
             <a:endParaRPr lang="en-GB"/>
           </a:p>
@@ -1814,7 +1819,7 @@
           <a:p>
             <a:fld id="{061BC4CD-4D70-DC42-B3C2-BA14ECF11555}" type="datetimeFigureOut">
               <a:rPr lang="en-GB" smtClean="0"/>
-              <a:t>11/07/2024</a:t>
+              <a:t>14/10/2024</a:t>
             </a:fld>
             <a:endParaRPr lang="en-GB"/>
           </a:p>
@@ -2091,7 +2096,7 @@
           <a:p>
             <a:fld id="{061BC4CD-4D70-DC42-B3C2-BA14ECF11555}" type="datetimeFigureOut">
               <a:rPr lang="en-GB" smtClean="0"/>
-              <a:t>11/07/2024</a:t>
+              <a:t>14/10/2024</a:t>
             </a:fld>
             <a:endParaRPr lang="en-GB"/>
           </a:p>
@@ -2348,7 +2353,7 @@
           <a:p>
             <a:fld id="{061BC4CD-4D70-DC42-B3C2-BA14ECF11555}" type="datetimeFigureOut">
               <a:rPr lang="en-GB" smtClean="0"/>
-              <a:t>11/07/2024</a:t>
+              <a:t>14/10/2024</a:t>
             </a:fld>
             <a:endParaRPr lang="en-GB"/>
           </a:p>
@@ -2561,7 +2566,7 @@
           <a:p>
             <a:fld id="{061BC4CD-4D70-DC42-B3C2-BA14ECF11555}" type="datetimeFigureOut">
               <a:rPr lang="en-GB" smtClean="0"/>
-              <a:t>11/07/2024</a:t>
+              <a:t>14/10/2024</a:t>
             </a:fld>
             <a:endParaRPr lang="en-GB"/>
           </a:p>
@@ -2983,13 +2988,13 @@
               <p:nvPr>
                 <p:extLst>
                   <p:ext uri="{D42A27DB-BD31-4B8C-83A1-F6EECF244321}">
-                    <p14:modId xmlns:p14="http://schemas.microsoft.com/office/powerpoint/2010/main" val="4088380735"/>
+                    <p14:modId xmlns:p14="http://schemas.microsoft.com/office/powerpoint/2010/main" val="2719467402"/>
                   </p:ext>
                 </p:extLst>
               </p:nvPr>
             </p:nvGraphicFramePr>
             <p:xfrm rot="21300000">
-              <a:off x="3600000" y="2160000"/>
+              <a:off x="4320000" y="2160000"/>
               <a:ext cx="4320000" cy="4320000"/>
             </p:xfrm>
             <a:graphic>
@@ -3043,7 +3048,7 @@
             </p:blipFill>
             <p:spPr>
               <a:xfrm rot="21300000">
-                <a:off x="3600000" y="2160000"/>
+                <a:off x="4320000" y="2160000"/>
                 <a:ext cx="4320000" cy="4320000"/>
               </a:xfrm>
               <a:prstGeom prst="rect">
@@ -3070,13 +3075,13 @@
               <p:nvPr>
                 <p:extLst>
                   <p:ext uri="{D42A27DB-BD31-4B8C-83A1-F6EECF244321}">
-                    <p14:modId xmlns:p14="http://schemas.microsoft.com/office/powerpoint/2010/main" val="1336455183"/>
+                    <p14:modId xmlns:p14="http://schemas.microsoft.com/office/powerpoint/2010/main" val="1406699624"/>
                   </p:ext>
                 </p:extLst>
               </p:nvPr>
             </p:nvGraphicFramePr>
             <p:xfrm rot="21300000">
-              <a:off x="720000" y="2160000"/>
+              <a:off x="0" y="2160000"/>
               <a:ext cx="4320000" cy="4320000"/>
             </p:xfrm>
             <a:graphic>
@@ -3130,7 +3135,7 @@
             </p:blipFill>
             <p:spPr>
               <a:xfrm rot="21300000">
-                <a:off x="720000" y="2160000"/>
+                <a:off x="0" y="2160000"/>
                 <a:ext cx="4320000" cy="4320000"/>
               </a:xfrm>
               <a:prstGeom prst="rect">
@@ -3157,13 +3162,13 @@
               <p:nvPr>
                 <p:extLst>
                   <p:ext uri="{D42A27DB-BD31-4B8C-83A1-F6EECF244321}">
-                    <p14:modId xmlns:p14="http://schemas.microsoft.com/office/powerpoint/2010/main" val="1487455632"/>
+                    <p14:modId xmlns:p14="http://schemas.microsoft.com/office/powerpoint/2010/main" val="2303080616"/>
                   </p:ext>
                 </p:extLst>
               </p:nvPr>
             </p:nvGraphicFramePr>
             <p:xfrm rot="300000">
-              <a:off x="2160000" y="720000"/>
+              <a:off x="2160000" y="0"/>
               <a:ext cx="4320000" cy="4320000"/>
             </p:xfrm>
             <a:graphic>
@@ -3218,7 +3223,7 @@
             </p:blipFill>
             <p:spPr>
               <a:xfrm rot="300000">
-                <a:off x="2160000" y="720000"/>
+                <a:off x="2160000" y="0"/>
                 <a:ext cx="4320000" cy="4320000"/>
               </a:xfrm>
               <a:prstGeom prst="rect">
@@ -3246,13 +3251,13 @@
               <p:nvPr>
                 <p:extLst>
                   <p:ext uri="{D42A27DB-BD31-4B8C-83A1-F6EECF244321}">
-                    <p14:modId xmlns:p14="http://schemas.microsoft.com/office/powerpoint/2010/main" val="2879403607"/>
+                    <p14:modId xmlns:p14="http://schemas.microsoft.com/office/powerpoint/2010/main" val="3629201447"/>
                   </p:ext>
                 </p:extLst>
               </p:nvPr>
             </p:nvGraphicFramePr>
             <p:xfrm rot="300000">
-              <a:off x="2160000" y="3600000"/>
+              <a:off x="2160000" y="4320000"/>
               <a:ext cx="4320000" cy="4320000"/>
             </p:xfrm>
             <a:graphic>
@@ -3307,7 +3312,7 @@
             </p:blipFill>
             <p:spPr>
               <a:xfrm rot="300000">
-                <a:off x="2160000" y="3600000"/>
+                <a:off x="2160000" y="4320000"/>
                 <a:ext cx="4320000" cy="4320000"/>
               </a:xfrm>
               <a:prstGeom prst="rect">
@@ -3332,19 +3337,39 @@
         </p:nvSpPr>
         <p:spPr>
           <a:xfrm rot="18900034">
-            <a:off x="3801435" y="4233190"/>
-            <a:ext cx="1037128" cy="173620"/>
+            <a:off x="3465928" y="4168580"/>
+            <a:ext cx="1725448" cy="288848"/>
           </a:xfrm>
           <a:prstGeom prst="diamond">
             <a:avLst/>
           </a:prstGeom>
-          <a:solidFill>
-            <a:srgbClr val="00B050"/>
-          </a:solidFill>
+          <a:gradFill flip="none" rotWithShape="1">
+            <a:gsLst>
+              <a:gs pos="0">
+                <a:schemeClr val="accent6">
+                  <a:lumMod val="40000"/>
+                  <a:lumOff val="60000"/>
+                </a:schemeClr>
+              </a:gs>
+              <a:gs pos="24000">
+                <a:schemeClr val="accent6">
+                  <a:lumMod val="95000"/>
+                  <a:lumOff val="5000"/>
+                </a:schemeClr>
+              </a:gs>
+              <a:gs pos="79000">
+                <a:schemeClr val="accent6">
+                  <a:lumMod val="60000"/>
+                </a:schemeClr>
+              </a:gs>
+            </a:gsLst>
+            <a:path path="circle">
+              <a:fillToRect l="50000" t="50000" r="50000" b="50000"/>
+            </a:path>
+            <a:tileRect/>
+          </a:gradFill>
           <a:ln>
-            <a:solidFill>
-              <a:schemeClr val="tx1"/>
-            </a:solidFill>
+            <a:noFill/>
           </a:ln>
         </p:spPr>
         <p:style>
